--- a/proyectofinal_ML/test.pptx
+++ b/proyectofinal_ML/test.pptx
@@ -5,8 +5,12 @@
     <p:sldMasterId id="2147483648" r:id="rId1"/>
   </p:sldMasterIdLst>
   <p:sldIdLst>
-    <p:sldId id="256" r:id="rId2"/>
-    <p:sldId id="257" r:id="rId3"/>
+    <p:sldId id="256" r:id="rId7"/>
+    <p:sldId id="257" r:id="rId8"/>
+    <p:sldId id="258" r:id="rId9"/>
+    <p:sldId id="259" r:id="rId10"/>
+    <p:sldId id="260" r:id="rId11"/>
+    <p:sldId id="261" r:id="rId12"/>
   </p:sldIdLst>
   <p:sldSz cx="9144000" cy="6858000" type="screen4x3"/>
   <p:notesSz cx="6858000" cy="9144000"/>
@@ -105,22 +109,6 @@
       </a:defRPr>
     </a:lvl9pPr>
   </p:defaultTextStyle>
-  <p:extLst>
-    <p:ext uri="{EFAFB233-063F-42B5-8137-9DF3F51BA10A}">
-      <p15:sldGuideLst xmlns:p15="http://schemas.microsoft.com/office/powerpoint/2012/main">
-        <p15:guide id="1" orient="horz" pos="2160">
-          <p15:clr>
-            <a:srgbClr val="A4A3A4"/>
-          </p15:clr>
-        </p15:guide>
-        <p15:guide id="2" pos="2880">
-          <p15:clr>
-            <a:srgbClr val="A4A3A4"/>
-          </p15:clr>
-        </p15:guide>
-      </p15:sldGuideLst>
-    </p:ext>
-  </p:extLst>
 </p:presentation>
 </file>
 
@@ -162,9 +150,10 @@
           <a:lstStyle/>
           <a:p>
             <a:r>
-              <a:rPr lang="en-US"/>
+              <a:rPr lang="en-US" smtClean="0"/>
               <a:t>Click to edit Master title style</a:t>
             </a:r>
+            <a:endParaRPr lang="en-US"/>
           </a:p>
         </p:txBody>
       </p:sp>
@@ -280,9 +269,10 @@
           </a:lstStyle>
           <a:p>
             <a:r>
-              <a:rPr lang="en-US"/>
+              <a:rPr lang="en-US" smtClean="0"/>
               <a:t>Click to edit Master subtitle style</a:t>
             </a:r>
+            <a:endParaRPr lang="en-US"/>
           </a:p>
         </p:txBody>
       </p:sp>
@@ -303,7 +293,7 @@
           <a:p>
             <a:fld id="{5BCAD085-E8A6-8845-BD4E-CB4CCA059FC4}" type="datetimeFigureOut">
               <a:rPr lang="en-US" smtClean="0"/>
-              <a:t>9/3/2023</a:t>
+              <a:t>1/27/13</a:t>
             </a:fld>
             <a:endParaRPr lang="en-US"/>
           </a:p>
@@ -345,7 +335,7 @@
           <a:p>
             <a:fld id="{C1FF6DA9-008F-8B48-92A6-B652298478BF}" type="slidenum">
               <a:rPr lang="en-US" smtClean="0"/>
-              <a:t>‹Nº›</a:t>
+              <a:t>‹#›</a:t>
             </a:fld>
             <a:endParaRPr lang="en-US"/>
           </a:p>
@@ -397,9 +387,10 @@
           <a:lstStyle/>
           <a:p>
             <a:r>
-              <a:rPr lang="en-US"/>
+              <a:rPr lang="en-US" smtClean="0"/>
               <a:t>Click to edit Master title style</a:t>
             </a:r>
+            <a:endParaRPr lang="en-US"/>
           </a:p>
         </p:txBody>
       </p:sp>
@@ -420,37 +411,38 @@
           <a:p>
             <a:pPr lvl="0"/>
             <a:r>
-              <a:rPr lang="en-US"/>
+              <a:rPr lang="en-US" smtClean="0"/>
               <a:t>Click to edit Master text styles</a:t>
             </a:r>
           </a:p>
           <a:p>
             <a:pPr lvl="1"/>
             <a:r>
-              <a:rPr lang="en-US"/>
+              <a:rPr lang="en-US" smtClean="0"/>
               <a:t>Second level</a:t>
             </a:r>
           </a:p>
           <a:p>
             <a:pPr lvl="2"/>
             <a:r>
-              <a:rPr lang="en-US"/>
+              <a:rPr lang="en-US" smtClean="0"/>
               <a:t>Third level</a:t>
             </a:r>
           </a:p>
           <a:p>
             <a:pPr lvl="3"/>
             <a:r>
-              <a:rPr lang="en-US"/>
+              <a:rPr lang="en-US" smtClean="0"/>
               <a:t>Fourth level</a:t>
             </a:r>
           </a:p>
           <a:p>
             <a:pPr lvl="4"/>
             <a:r>
-              <a:rPr lang="en-US"/>
+              <a:rPr lang="en-US" smtClean="0"/>
               <a:t>Fifth level</a:t>
             </a:r>
+            <a:endParaRPr lang="en-US"/>
           </a:p>
         </p:txBody>
       </p:sp>
@@ -471,7 +463,7 @@
           <a:p>
             <a:fld id="{5BCAD085-E8A6-8845-BD4E-CB4CCA059FC4}" type="datetimeFigureOut">
               <a:rPr lang="en-US" smtClean="0"/>
-              <a:t>9/3/2023</a:t>
+              <a:t>1/27/13</a:t>
             </a:fld>
             <a:endParaRPr lang="en-US"/>
           </a:p>
@@ -513,7 +505,7 @@
           <a:p>
             <a:fld id="{C1FF6DA9-008F-8B48-92A6-B652298478BF}" type="slidenum">
               <a:rPr lang="en-US" smtClean="0"/>
-              <a:t>‹Nº›</a:t>
+              <a:t>‹#›</a:t>
             </a:fld>
             <a:endParaRPr lang="en-US"/>
           </a:p>
@@ -570,9 +562,10 @@
           <a:lstStyle/>
           <a:p>
             <a:r>
-              <a:rPr lang="en-US"/>
+              <a:rPr lang="en-US" smtClean="0"/>
               <a:t>Click to edit Master title style</a:t>
             </a:r>
+            <a:endParaRPr lang="en-US"/>
           </a:p>
         </p:txBody>
       </p:sp>
@@ -598,37 +591,38 @@
           <a:p>
             <a:pPr lvl="0"/>
             <a:r>
-              <a:rPr lang="en-US"/>
+              <a:rPr lang="en-US" smtClean="0"/>
               <a:t>Click to edit Master text styles</a:t>
             </a:r>
           </a:p>
           <a:p>
             <a:pPr lvl="1"/>
             <a:r>
-              <a:rPr lang="en-US"/>
+              <a:rPr lang="en-US" smtClean="0"/>
               <a:t>Second level</a:t>
             </a:r>
           </a:p>
           <a:p>
             <a:pPr lvl="2"/>
             <a:r>
-              <a:rPr lang="en-US"/>
+              <a:rPr lang="en-US" smtClean="0"/>
               <a:t>Third level</a:t>
             </a:r>
           </a:p>
           <a:p>
             <a:pPr lvl="3"/>
             <a:r>
-              <a:rPr lang="en-US"/>
+              <a:rPr lang="en-US" smtClean="0"/>
               <a:t>Fourth level</a:t>
             </a:r>
           </a:p>
           <a:p>
             <a:pPr lvl="4"/>
             <a:r>
-              <a:rPr lang="en-US"/>
+              <a:rPr lang="en-US" smtClean="0"/>
               <a:t>Fifth level</a:t>
             </a:r>
+            <a:endParaRPr lang="en-US"/>
           </a:p>
         </p:txBody>
       </p:sp>
@@ -649,7 +643,7 @@
           <a:p>
             <a:fld id="{5BCAD085-E8A6-8845-BD4E-CB4CCA059FC4}" type="datetimeFigureOut">
               <a:rPr lang="en-US" smtClean="0"/>
-              <a:t>9/3/2023</a:t>
+              <a:t>1/27/13</a:t>
             </a:fld>
             <a:endParaRPr lang="en-US"/>
           </a:p>
@@ -691,7 +685,7 @@
           <a:p>
             <a:fld id="{C1FF6DA9-008F-8B48-92A6-B652298478BF}" type="slidenum">
               <a:rPr lang="en-US" smtClean="0"/>
-              <a:t>‹Nº›</a:t>
+              <a:t>‹#›</a:t>
             </a:fld>
             <a:endParaRPr lang="en-US"/>
           </a:p>
@@ -743,9 +737,10 @@
           <a:lstStyle/>
           <a:p>
             <a:r>
-              <a:rPr lang="en-US"/>
+              <a:rPr lang="en-US" smtClean="0"/>
               <a:t>Click to edit Master title style</a:t>
             </a:r>
+            <a:endParaRPr lang="en-US"/>
           </a:p>
         </p:txBody>
       </p:sp>
@@ -766,37 +761,38 @@
           <a:p>
             <a:pPr lvl="0"/>
             <a:r>
-              <a:rPr lang="en-US"/>
+              <a:rPr lang="en-US" smtClean="0"/>
               <a:t>Click to edit Master text styles</a:t>
             </a:r>
           </a:p>
           <a:p>
             <a:pPr lvl="1"/>
             <a:r>
-              <a:rPr lang="en-US"/>
+              <a:rPr lang="en-US" smtClean="0"/>
               <a:t>Second level</a:t>
             </a:r>
           </a:p>
           <a:p>
             <a:pPr lvl="2"/>
             <a:r>
-              <a:rPr lang="en-US"/>
+              <a:rPr lang="en-US" smtClean="0"/>
               <a:t>Third level</a:t>
             </a:r>
           </a:p>
           <a:p>
             <a:pPr lvl="3"/>
             <a:r>
-              <a:rPr lang="en-US"/>
+              <a:rPr lang="en-US" smtClean="0"/>
               <a:t>Fourth level</a:t>
             </a:r>
           </a:p>
           <a:p>
             <a:pPr lvl="4"/>
             <a:r>
-              <a:rPr lang="en-US"/>
+              <a:rPr lang="en-US" smtClean="0"/>
               <a:t>Fifth level</a:t>
             </a:r>
+            <a:endParaRPr lang="en-US"/>
           </a:p>
         </p:txBody>
       </p:sp>
@@ -817,7 +813,7 @@
           <a:p>
             <a:fld id="{5BCAD085-E8A6-8845-BD4E-CB4CCA059FC4}" type="datetimeFigureOut">
               <a:rPr lang="en-US" smtClean="0"/>
-              <a:t>9/3/2023</a:t>
+              <a:t>1/27/13</a:t>
             </a:fld>
             <a:endParaRPr lang="en-US"/>
           </a:p>
@@ -859,7 +855,7 @@
           <a:p>
             <a:fld id="{C1FF6DA9-008F-8B48-92A6-B652298478BF}" type="slidenum">
               <a:rPr lang="en-US" smtClean="0"/>
-              <a:t>‹Nº›</a:t>
+              <a:t>‹#›</a:t>
             </a:fld>
             <a:endParaRPr lang="en-US"/>
           </a:p>
@@ -920,9 +916,10 @@
           </a:lstStyle>
           <a:p>
             <a:r>
-              <a:rPr lang="en-US"/>
+              <a:rPr lang="en-US" smtClean="0"/>
               <a:t>Click to edit Master title style</a:t>
             </a:r>
+            <a:endParaRPr lang="en-US"/>
           </a:p>
         </p:txBody>
       </p:sp>
@@ -1039,7 +1036,7 @@
           <a:p>
             <a:pPr lvl="0"/>
             <a:r>
-              <a:rPr lang="en-US"/>
+              <a:rPr lang="en-US" smtClean="0"/>
               <a:t>Click to edit Master text styles</a:t>
             </a:r>
           </a:p>
@@ -1062,7 +1059,7 @@
           <a:p>
             <a:fld id="{5BCAD085-E8A6-8845-BD4E-CB4CCA059FC4}" type="datetimeFigureOut">
               <a:rPr lang="en-US" smtClean="0"/>
-              <a:t>9/3/2023</a:t>
+              <a:t>1/27/13</a:t>
             </a:fld>
             <a:endParaRPr lang="en-US"/>
           </a:p>
@@ -1104,7 +1101,7 @@
           <a:p>
             <a:fld id="{C1FF6DA9-008F-8B48-92A6-B652298478BF}" type="slidenum">
               <a:rPr lang="en-US" smtClean="0"/>
-              <a:t>‹Nº›</a:t>
+              <a:t>‹#›</a:t>
             </a:fld>
             <a:endParaRPr lang="en-US"/>
           </a:p>
@@ -1156,9 +1153,10 @@
           <a:lstStyle/>
           <a:p>
             <a:r>
-              <a:rPr lang="en-US"/>
+              <a:rPr lang="en-US" smtClean="0"/>
               <a:t>Click to edit Master title style</a:t>
             </a:r>
+            <a:endParaRPr lang="en-US"/>
           </a:p>
         </p:txBody>
       </p:sp>
@@ -1212,37 +1210,38 @@
           <a:p>
             <a:pPr lvl="0"/>
             <a:r>
-              <a:rPr lang="en-US"/>
+              <a:rPr lang="en-US" smtClean="0"/>
               <a:t>Click to edit Master text styles</a:t>
             </a:r>
           </a:p>
           <a:p>
             <a:pPr lvl="1"/>
             <a:r>
-              <a:rPr lang="en-US"/>
+              <a:rPr lang="en-US" smtClean="0"/>
               <a:t>Second level</a:t>
             </a:r>
           </a:p>
           <a:p>
             <a:pPr lvl="2"/>
             <a:r>
-              <a:rPr lang="en-US"/>
+              <a:rPr lang="en-US" smtClean="0"/>
               <a:t>Third level</a:t>
             </a:r>
           </a:p>
           <a:p>
             <a:pPr lvl="3"/>
             <a:r>
-              <a:rPr lang="en-US"/>
+              <a:rPr lang="en-US" smtClean="0"/>
               <a:t>Fourth level</a:t>
             </a:r>
           </a:p>
           <a:p>
             <a:pPr lvl="4"/>
             <a:r>
-              <a:rPr lang="en-US"/>
+              <a:rPr lang="en-US" smtClean="0"/>
               <a:t>Fifth level</a:t>
             </a:r>
+            <a:endParaRPr lang="en-US"/>
           </a:p>
         </p:txBody>
       </p:sp>
@@ -1296,37 +1295,38 @@
           <a:p>
             <a:pPr lvl="0"/>
             <a:r>
-              <a:rPr lang="en-US"/>
+              <a:rPr lang="en-US" smtClean="0"/>
               <a:t>Click to edit Master text styles</a:t>
             </a:r>
           </a:p>
           <a:p>
             <a:pPr lvl="1"/>
             <a:r>
-              <a:rPr lang="en-US"/>
+              <a:rPr lang="en-US" smtClean="0"/>
               <a:t>Second level</a:t>
             </a:r>
           </a:p>
           <a:p>
             <a:pPr lvl="2"/>
             <a:r>
-              <a:rPr lang="en-US"/>
+              <a:rPr lang="en-US" smtClean="0"/>
               <a:t>Third level</a:t>
             </a:r>
           </a:p>
           <a:p>
             <a:pPr lvl="3"/>
             <a:r>
-              <a:rPr lang="en-US"/>
+              <a:rPr lang="en-US" smtClean="0"/>
               <a:t>Fourth level</a:t>
             </a:r>
           </a:p>
           <a:p>
             <a:pPr lvl="4"/>
             <a:r>
-              <a:rPr lang="en-US"/>
+              <a:rPr lang="en-US" smtClean="0"/>
               <a:t>Fifth level</a:t>
             </a:r>
+            <a:endParaRPr lang="en-US"/>
           </a:p>
         </p:txBody>
       </p:sp>
@@ -1347,7 +1347,7 @@
           <a:p>
             <a:fld id="{5BCAD085-E8A6-8845-BD4E-CB4CCA059FC4}" type="datetimeFigureOut">
               <a:rPr lang="en-US" smtClean="0"/>
-              <a:t>9/3/2023</a:t>
+              <a:t>1/27/13</a:t>
             </a:fld>
             <a:endParaRPr lang="en-US"/>
           </a:p>
@@ -1389,7 +1389,7 @@
           <a:p>
             <a:fld id="{C1FF6DA9-008F-8B48-92A6-B652298478BF}" type="slidenum">
               <a:rPr lang="en-US" smtClean="0"/>
-              <a:t>‹Nº›</a:t>
+              <a:t>‹#›</a:t>
             </a:fld>
             <a:endParaRPr lang="en-US"/>
           </a:p>
@@ -1445,9 +1445,10 @@
           </a:lstStyle>
           <a:p>
             <a:r>
-              <a:rPr lang="en-US"/>
+              <a:rPr lang="en-US" smtClean="0"/>
               <a:t>Click to edit Master title style</a:t>
             </a:r>
+            <a:endParaRPr lang="en-US"/>
           </a:p>
         </p:txBody>
       </p:sp>
@@ -1510,7 +1511,7 @@
           <a:p>
             <a:pPr lvl="0"/>
             <a:r>
-              <a:rPr lang="en-US"/>
+              <a:rPr lang="en-US" smtClean="0"/>
               <a:t>Click to edit Master text styles</a:t>
             </a:r>
           </a:p>
@@ -1566,37 +1567,38 @@
           <a:p>
             <a:pPr lvl="0"/>
             <a:r>
-              <a:rPr lang="en-US"/>
+              <a:rPr lang="en-US" smtClean="0"/>
               <a:t>Click to edit Master text styles</a:t>
             </a:r>
           </a:p>
           <a:p>
             <a:pPr lvl="1"/>
             <a:r>
-              <a:rPr lang="en-US"/>
+              <a:rPr lang="en-US" smtClean="0"/>
               <a:t>Second level</a:t>
             </a:r>
           </a:p>
           <a:p>
             <a:pPr lvl="2"/>
             <a:r>
-              <a:rPr lang="en-US"/>
+              <a:rPr lang="en-US" smtClean="0"/>
               <a:t>Third level</a:t>
             </a:r>
           </a:p>
           <a:p>
             <a:pPr lvl="3"/>
             <a:r>
-              <a:rPr lang="en-US"/>
+              <a:rPr lang="en-US" smtClean="0"/>
               <a:t>Fourth level</a:t>
             </a:r>
           </a:p>
           <a:p>
             <a:pPr lvl="4"/>
             <a:r>
-              <a:rPr lang="en-US"/>
+              <a:rPr lang="en-US" smtClean="0"/>
               <a:t>Fifth level</a:t>
             </a:r>
+            <a:endParaRPr lang="en-US"/>
           </a:p>
         </p:txBody>
       </p:sp>
@@ -1659,7 +1661,7 @@
           <a:p>
             <a:pPr lvl="0"/>
             <a:r>
-              <a:rPr lang="en-US"/>
+              <a:rPr lang="en-US" smtClean="0"/>
               <a:t>Click to edit Master text styles</a:t>
             </a:r>
           </a:p>
@@ -1715,37 +1717,38 @@
           <a:p>
             <a:pPr lvl="0"/>
             <a:r>
-              <a:rPr lang="en-US"/>
+              <a:rPr lang="en-US" smtClean="0"/>
               <a:t>Click to edit Master text styles</a:t>
             </a:r>
           </a:p>
           <a:p>
             <a:pPr lvl="1"/>
             <a:r>
-              <a:rPr lang="en-US"/>
+              <a:rPr lang="en-US" smtClean="0"/>
               <a:t>Second level</a:t>
             </a:r>
           </a:p>
           <a:p>
             <a:pPr lvl="2"/>
             <a:r>
-              <a:rPr lang="en-US"/>
+              <a:rPr lang="en-US" smtClean="0"/>
               <a:t>Third level</a:t>
             </a:r>
           </a:p>
           <a:p>
             <a:pPr lvl="3"/>
             <a:r>
-              <a:rPr lang="en-US"/>
+              <a:rPr lang="en-US" smtClean="0"/>
               <a:t>Fourth level</a:t>
             </a:r>
           </a:p>
           <a:p>
             <a:pPr lvl="4"/>
             <a:r>
-              <a:rPr lang="en-US"/>
+              <a:rPr lang="en-US" smtClean="0"/>
               <a:t>Fifth level</a:t>
             </a:r>
+            <a:endParaRPr lang="en-US"/>
           </a:p>
         </p:txBody>
       </p:sp>
@@ -1766,7 +1769,7 @@
           <a:p>
             <a:fld id="{5BCAD085-E8A6-8845-BD4E-CB4CCA059FC4}" type="datetimeFigureOut">
               <a:rPr lang="en-US" smtClean="0"/>
-              <a:t>9/3/2023</a:t>
+              <a:t>1/27/13</a:t>
             </a:fld>
             <a:endParaRPr lang="en-US"/>
           </a:p>
@@ -1808,7 +1811,7 @@
           <a:p>
             <a:fld id="{C1FF6DA9-008F-8B48-92A6-B652298478BF}" type="slidenum">
               <a:rPr lang="en-US" smtClean="0"/>
-              <a:t>‹Nº›</a:t>
+              <a:t>‹#›</a:t>
             </a:fld>
             <a:endParaRPr lang="en-US"/>
           </a:p>
@@ -1860,9 +1863,10 @@
           <a:lstStyle/>
           <a:p>
             <a:r>
-              <a:rPr lang="en-US"/>
+              <a:rPr lang="en-US" smtClean="0"/>
               <a:t>Click to edit Master title style</a:t>
             </a:r>
+            <a:endParaRPr lang="en-US"/>
           </a:p>
         </p:txBody>
       </p:sp>
@@ -1883,7 +1887,7 @@
           <a:p>
             <a:fld id="{5BCAD085-E8A6-8845-BD4E-CB4CCA059FC4}" type="datetimeFigureOut">
               <a:rPr lang="en-US" smtClean="0"/>
-              <a:t>9/3/2023</a:t>
+              <a:t>1/27/13</a:t>
             </a:fld>
             <a:endParaRPr lang="en-US"/>
           </a:p>
@@ -1925,7 +1929,7 @@
           <a:p>
             <a:fld id="{C1FF6DA9-008F-8B48-92A6-B652298478BF}" type="slidenum">
               <a:rPr lang="en-US" smtClean="0"/>
-              <a:t>‹Nº›</a:t>
+              <a:t>‹#›</a:t>
             </a:fld>
             <a:endParaRPr lang="en-US"/>
           </a:p>
@@ -1978,7 +1982,7 @@
           <a:p>
             <a:fld id="{5BCAD085-E8A6-8845-BD4E-CB4CCA059FC4}" type="datetimeFigureOut">
               <a:rPr lang="en-US" smtClean="0"/>
-              <a:t>9/3/2023</a:t>
+              <a:t>1/27/13</a:t>
             </a:fld>
             <a:endParaRPr lang="en-US"/>
           </a:p>
@@ -2020,7 +2024,7 @@
           <a:p>
             <a:fld id="{C1FF6DA9-008F-8B48-92A6-B652298478BF}" type="slidenum">
               <a:rPr lang="en-US" smtClean="0"/>
-              <a:t>‹Nº›</a:t>
+              <a:t>‹#›</a:t>
             </a:fld>
             <a:endParaRPr lang="en-US"/>
           </a:p>
@@ -2081,9 +2085,10 @@
           </a:lstStyle>
           <a:p>
             <a:r>
-              <a:rPr lang="en-US"/>
+              <a:rPr lang="en-US" smtClean="0"/>
               <a:t>Click to edit Master title style</a:t>
             </a:r>
+            <a:endParaRPr lang="en-US"/>
           </a:p>
         </p:txBody>
       </p:sp>
@@ -2137,37 +2142,38 @@
           <a:p>
             <a:pPr lvl="0"/>
             <a:r>
-              <a:rPr lang="en-US"/>
+              <a:rPr lang="en-US" smtClean="0"/>
               <a:t>Click to edit Master text styles</a:t>
             </a:r>
           </a:p>
           <a:p>
             <a:pPr lvl="1"/>
             <a:r>
-              <a:rPr lang="en-US"/>
+              <a:rPr lang="en-US" smtClean="0"/>
               <a:t>Second level</a:t>
             </a:r>
           </a:p>
           <a:p>
             <a:pPr lvl="2"/>
             <a:r>
-              <a:rPr lang="en-US"/>
+              <a:rPr lang="en-US" smtClean="0"/>
               <a:t>Third level</a:t>
             </a:r>
           </a:p>
           <a:p>
             <a:pPr lvl="3"/>
             <a:r>
-              <a:rPr lang="en-US"/>
+              <a:rPr lang="en-US" smtClean="0"/>
               <a:t>Fourth level</a:t>
             </a:r>
           </a:p>
           <a:p>
             <a:pPr lvl="4"/>
             <a:r>
-              <a:rPr lang="en-US"/>
+              <a:rPr lang="en-US" smtClean="0"/>
               <a:t>Fifth level</a:t>
             </a:r>
+            <a:endParaRPr lang="en-US"/>
           </a:p>
         </p:txBody>
       </p:sp>
@@ -2230,7 +2236,7 @@
           <a:p>
             <a:pPr lvl="0"/>
             <a:r>
-              <a:rPr lang="en-US"/>
+              <a:rPr lang="en-US" smtClean="0"/>
               <a:t>Click to edit Master text styles</a:t>
             </a:r>
           </a:p>
@@ -2253,7 +2259,7 @@
           <a:p>
             <a:fld id="{5BCAD085-E8A6-8845-BD4E-CB4CCA059FC4}" type="datetimeFigureOut">
               <a:rPr lang="en-US" smtClean="0"/>
-              <a:t>9/3/2023</a:t>
+              <a:t>1/27/13</a:t>
             </a:fld>
             <a:endParaRPr lang="en-US"/>
           </a:p>
@@ -2295,7 +2301,7 @@
           <a:p>
             <a:fld id="{C1FF6DA9-008F-8B48-92A6-B652298478BF}" type="slidenum">
               <a:rPr lang="en-US" smtClean="0"/>
-              <a:t>‹Nº›</a:t>
+              <a:t>‹#›</a:t>
             </a:fld>
             <a:endParaRPr lang="en-US"/>
           </a:p>
@@ -2356,9 +2362,10 @@
           </a:lstStyle>
           <a:p>
             <a:r>
-              <a:rPr lang="en-US"/>
+              <a:rPr lang="en-US" smtClean="0"/>
               <a:t>Click to edit Master title style</a:t>
             </a:r>
+            <a:endParaRPr lang="en-US"/>
           </a:p>
         </p:txBody>
       </p:sp>
@@ -2482,7 +2489,7 @@
           <a:p>
             <a:pPr lvl="0"/>
             <a:r>
-              <a:rPr lang="en-US"/>
+              <a:rPr lang="en-US" smtClean="0"/>
               <a:t>Click to edit Master text styles</a:t>
             </a:r>
           </a:p>
@@ -2505,7 +2512,7 @@
           <a:p>
             <a:fld id="{5BCAD085-E8A6-8845-BD4E-CB4CCA059FC4}" type="datetimeFigureOut">
               <a:rPr lang="en-US" smtClean="0"/>
-              <a:t>9/3/2023</a:t>
+              <a:t>1/27/13</a:t>
             </a:fld>
             <a:endParaRPr lang="en-US"/>
           </a:p>
@@ -2547,7 +2554,7 @@
           <a:p>
             <a:fld id="{C1FF6DA9-008F-8B48-92A6-B652298478BF}" type="slidenum">
               <a:rPr lang="en-US" smtClean="0"/>
-              <a:t>‹Nº›</a:t>
+              <a:t>‹#›</a:t>
             </a:fld>
             <a:endParaRPr lang="en-US"/>
           </a:p>
@@ -2614,9 +2621,10 @@
           <a:lstStyle/>
           <a:p>
             <a:r>
-              <a:rPr lang="en-US"/>
+              <a:rPr lang="en-US" smtClean="0"/>
               <a:t>Click to edit Master title style</a:t>
             </a:r>
+            <a:endParaRPr lang="en-US"/>
           </a:p>
         </p:txBody>
       </p:sp>
@@ -2647,37 +2655,38 @@
           <a:p>
             <a:pPr lvl="0"/>
             <a:r>
-              <a:rPr lang="en-US"/>
+              <a:rPr lang="en-US" smtClean="0"/>
               <a:t>Click to edit Master text styles</a:t>
             </a:r>
           </a:p>
           <a:p>
             <a:pPr lvl="1"/>
             <a:r>
-              <a:rPr lang="en-US"/>
+              <a:rPr lang="en-US" smtClean="0"/>
               <a:t>Second level</a:t>
             </a:r>
           </a:p>
           <a:p>
             <a:pPr lvl="2"/>
             <a:r>
-              <a:rPr lang="en-US"/>
+              <a:rPr lang="en-US" smtClean="0"/>
               <a:t>Third level</a:t>
             </a:r>
           </a:p>
           <a:p>
             <a:pPr lvl="3"/>
             <a:r>
-              <a:rPr lang="en-US"/>
+              <a:rPr lang="en-US" smtClean="0"/>
               <a:t>Fourth level</a:t>
             </a:r>
           </a:p>
           <a:p>
             <a:pPr lvl="4"/>
             <a:r>
-              <a:rPr lang="en-US"/>
+              <a:rPr lang="en-US" smtClean="0"/>
               <a:t>Fifth level</a:t>
             </a:r>
+            <a:endParaRPr lang="en-US"/>
           </a:p>
         </p:txBody>
       </p:sp>
@@ -2716,7 +2725,7 @@
           <a:p>
             <a:fld id="{5BCAD085-E8A6-8845-BD4E-CB4CCA059FC4}" type="datetimeFigureOut">
               <a:rPr lang="en-US" smtClean="0"/>
-              <a:t>9/3/2023</a:t>
+              <a:t>1/27/13</a:t>
             </a:fld>
             <a:endParaRPr lang="en-US"/>
           </a:p>
@@ -2794,7 +2803,7 @@
           <a:p>
             <a:fld id="{C1FF6DA9-008F-8B48-92A6-B652298478BF}" type="slidenum">
               <a:rPr lang="en-US" smtClean="0"/>
-              <a:t>‹Nº›</a:t>
+              <a:t>‹#›</a:t>
             </a:fld>
             <a:endParaRPr lang="en-US"/>
           </a:p>
@@ -3075,7 +3084,7 @@
 </file>
 
 <file path=ppt/slides/slide1.xml><?xml version="1.0" encoding="utf-8"?>
-<p:sld xmlns:a="http://schemas.openxmlformats.org/drawingml/2006/main" xmlns:r="http://schemas.openxmlformats.org/officeDocument/2006/relationships" xmlns:p="http://schemas.openxmlformats.org/presentationml/2006/main">
+<p:sld xmlns:a="http://schemas.openxmlformats.org/drawingml/2006/main" xmlns:p="http://schemas.openxmlformats.org/presentationml/2006/main" xmlns:r="http://schemas.openxmlformats.org/officeDocument/2006/relationships">
   <p:cSld>
     <p:spTree>
       <p:nvGrpSpPr>
@@ -3083,14 +3092,7 @@
         <p:cNvGrpSpPr/>
         <p:nvPr/>
       </p:nvGrpSpPr>
-      <p:grpSpPr>
-        <a:xfrm>
-          <a:off x="0" y="0"/>
-          <a:ext cx="0" cy="0"/>
-          <a:chOff x="0" y="0"/>
-          <a:chExt cx="0" cy="0"/>
-        </a:xfrm>
-      </p:grpSpPr>
+      <p:grpSpPr/>
       <p:sp>
         <p:nvSpPr>
           <p:cNvPr id="2" name="Title 1"/>
@@ -3107,7 +3109,7 @@
           <a:lstStyle/>
           <a:p>
             <a:r>
-              <a:t>Numpy y Matrices</a:t>
+              <a:t>Grupo 4</a:t>
             </a:r>
           </a:p>
         </p:txBody>
@@ -3126,11 +3128,7 @@
         <p:txBody>
           <a:bodyPr/>
           <a:lstStyle/>
-          <a:p>
-            <a:r>
-              <a:t>python-pptx was here!</a:t>
-            </a:r>
-          </a:p>
+          <a:p/>
         </p:txBody>
       </p:sp>
     </p:spTree>
@@ -3142,7 +3140,7 @@
 </file>
 
 <file path=ppt/slides/slide2.xml><?xml version="1.0" encoding="utf-8"?>
-<p:sld xmlns:a="http://schemas.openxmlformats.org/drawingml/2006/main" xmlns:r="http://schemas.openxmlformats.org/officeDocument/2006/relationships" xmlns:p="http://schemas.openxmlformats.org/presentationml/2006/main">
+<p:sld xmlns:a="http://schemas.openxmlformats.org/drawingml/2006/main" xmlns:p="http://schemas.openxmlformats.org/presentationml/2006/main" xmlns:r="http://schemas.openxmlformats.org/officeDocument/2006/relationships">
   <p:cSld>
     <p:spTree>
       <p:nvGrpSpPr>
@@ -3150,14 +3148,7 @@
         <p:cNvGrpSpPr/>
         <p:nvPr/>
       </p:nvGrpSpPr>
-      <p:grpSpPr>
-        <a:xfrm>
-          <a:off x="0" y="0"/>
-          <a:ext cx="0" cy="0"/>
-          <a:chOff x="0" y="0"/>
-          <a:chExt cx="0" cy="0"/>
-        </a:xfrm>
-      </p:grpSpPr>
+      <p:grpSpPr/>
       <p:sp>
         <p:nvSpPr>
           <p:cNvPr id="2" name="Title 1"/>
@@ -3174,7 +3165,7 @@
           <a:lstStyle/>
           <a:p>
             <a:r>
-              <a:t>Prueba</a:t>
+              <a:t> Introducción a Arreglos de Numpy </a:t>
             </a:r>
           </a:p>
         </p:txBody>
@@ -3191,421 +3182,330 @@
         </p:nvSpPr>
         <p:spPr/>
         <p:txBody>
-          <a:bodyPr>
-            <a:normAutofit fontScale="85000" lnSpcReduction="20000"/>
-          </a:bodyPr>
-          <a:lstStyle/>
-          <a:p>
-            <a:r>
-              <a:t>Los </a:t>
-            </a:r>
-            <a:r>
-              <a:rPr dirty="0" err="1"/>
-              <a:t>arreglos</a:t>
-            </a:r>
-            <a:r>
-              <a:rPr dirty="0"/>
-              <a:t> </a:t>
-            </a:r>
-            <a:r>
-              <a:rPr dirty="0" err="1"/>
-              <a:t>en</a:t>
-            </a:r>
-            <a:r>
-              <a:rPr dirty="0"/>
-              <a:t> </a:t>
-            </a:r>
-            <a:r>
-              <a:rPr dirty="0" err="1"/>
-              <a:t>Numpy</a:t>
-            </a:r>
-            <a:r>
-              <a:rPr dirty="0"/>
-              <a:t> son </a:t>
-            </a:r>
-            <a:r>
-              <a:rPr dirty="0" err="1"/>
-              <a:t>una</a:t>
-            </a:r>
-            <a:r>
-              <a:rPr dirty="0"/>
-              <a:t> forma </a:t>
-            </a:r>
-            <a:r>
-              <a:rPr dirty="0" err="1"/>
-              <a:t>útil</a:t>
-            </a:r>
-            <a:r>
-              <a:rPr dirty="0"/>
-              <a:t> para </a:t>
-            </a:r>
-            <a:r>
-              <a:rPr dirty="0" err="1"/>
-              <a:t>almacenar</a:t>
-            </a:r>
-            <a:r>
-              <a:rPr dirty="0"/>
-              <a:t> y manipular </a:t>
-            </a:r>
-            <a:r>
-              <a:rPr dirty="0" err="1"/>
-              <a:t>datos</a:t>
-            </a:r>
-            <a:r>
-              <a:rPr dirty="0"/>
-              <a:t> </a:t>
-            </a:r>
-            <a:r>
-              <a:rPr dirty="0" err="1"/>
-              <a:t>numéricos</a:t>
-            </a:r>
-            <a:r>
-              <a:rPr dirty="0"/>
-              <a:t> </a:t>
-            </a:r>
-            <a:r>
-              <a:rPr dirty="0" err="1"/>
-              <a:t>en</a:t>
-            </a:r>
-            <a:r>
-              <a:rPr dirty="0"/>
-              <a:t> Python. Una de las </a:t>
-            </a:r>
-            <a:r>
-              <a:rPr dirty="0" err="1"/>
-              <a:t>principales</a:t>
-            </a:r>
-            <a:r>
-              <a:rPr dirty="0"/>
-              <a:t> </a:t>
-            </a:r>
-            <a:r>
-              <a:rPr dirty="0" err="1"/>
-              <a:t>herramientas</a:t>
-            </a:r>
-            <a:r>
-              <a:rPr dirty="0"/>
-              <a:t> para </a:t>
-            </a:r>
-            <a:r>
-              <a:rPr dirty="0" err="1"/>
-              <a:t>crear</a:t>
-            </a:r>
-            <a:r>
-              <a:rPr dirty="0"/>
-              <a:t> </a:t>
-            </a:r>
-            <a:r>
-              <a:rPr dirty="0" err="1"/>
-              <a:t>arreglos</a:t>
-            </a:r>
-            <a:r>
-              <a:rPr dirty="0"/>
-              <a:t> es </a:t>
-            </a:r>
-            <a:r>
-              <a:rPr dirty="0" err="1"/>
-              <a:t>el</a:t>
-            </a:r>
-            <a:r>
-              <a:rPr dirty="0"/>
-              <a:t> Array. </a:t>
-            </a:r>
-            <a:r>
-              <a:rPr dirty="0" err="1"/>
-              <a:t>Esto</a:t>
-            </a:r>
-            <a:r>
-              <a:rPr dirty="0"/>
-              <a:t> te </a:t>
-            </a:r>
-            <a:r>
-              <a:rPr dirty="0" err="1"/>
-              <a:t>permite</a:t>
-            </a:r>
-            <a:r>
-              <a:rPr dirty="0"/>
-              <a:t> </a:t>
-            </a:r>
-            <a:r>
-              <a:rPr dirty="0" err="1"/>
-              <a:t>crear</a:t>
-            </a:r>
-            <a:r>
-              <a:rPr dirty="0"/>
-              <a:t> </a:t>
-            </a:r>
-            <a:r>
-              <a:rPr dirty="0" err="1"/>
-              <a:t>arreglos</a:t>
-            </a:r>
-            <a:r>
-              <a:rPr dirty="0"/>
-              <a:t> a partir de </a:t>
-            </a:r>
-            <a:r>
-              <a:rPr dirty="0" err="1"/>
-              <a:t>listas</a:t>
-            </a:r>
-            <a:r>
-              <a:rPr dirty="0"/>
-              <a:t>, </a:t>
-            </a:r>
-            <a:r>
-              <a:rPr dirty="0" err="1"/>
-              <a:t>tuplas</a:t>
-            </a:r>
-            <a:r>
-              <a:rPr dirty="0"/>
-              <a:t> y </a:t>
-            </a:r>
-            <a:r>
-              <a:rPr dirty="0" err="1"/>
-              <a:t>otros</a:t>
-            </a:r>
-            <a:r>
-              <a:rPr dirty="0"/>
-              <a:t> </a:t>
-            </a:r>
-            <a:r>
-              <a:rPr dirty="0" err="1"/>
-              <a:t>arreglos</a:t>
-            </a:r>
-            <a:r>
-              <a:rPr dirty="0"/>
-              <a:t>. </a:t>
-            </a:r>
-            <a:r>
-              <a:rPr dirty="0" err="1"/>
-              <a:t>Otra</a:t>
-            </a:r>
-            <a:r>
-              <a:rPr dirty="0"/>
-              <a:t> </a:t>
-            </a:r>
-            <a:r>
-              <a:rPr dirty="0" err="1"/>
-              <a:t>herramienta</a:t>
-            </a:r>
-            <a:r>
-              <a:rPr dirty="0"/>
-              <a:t> clave para </a:t>
-            </a:r>
-            <a:r>
-              <a:rPr dirty="0" err="1"/>
-              <a:t>crear</a:t>
-            </a:r>
-            <a:r>
-              <a:rPr dirty="0"/>
-              <a:t> </a:t>
-            </a:r>
-            <a:r>
-              <a:rPr dirty="0" err="1"/>
-              <a:t>arreglos</a:t>
-            </a:r>
-            <a:r>
-              <a:rPr dirty="0"/>
-              <a:t> es </a:t>
-            </a:r>
-            <a:r>
-              <a:rPr dirty="0" err="1"/>
-              <a:t>MeshGrid</a:t>
-            </a:r>
-            <a:r>
-              <a:rPr dirty="0"/>
-              <a:t>, que te </a:t>
-            </a:r>
-            <a:r>
-              <a:rPr dirty="0" err="1"/>
-              <a:t>ayuda</a:t>
-            </a:r>
-            <a:r>
-              <a:rPr dirty="0"/>
-              <a:t> a </a:t>
-            </a:r>
-            <a:r>
-              <a:rPr dirty="0" err="1"/>
-              <a:t>generar</a:t>
-            </a:r>
-            <a:r>
-              <a:rPr dirty="0"/>
-              <a:t> matrices </a:t>
-            </a:r>
-            <a:r>
-              <a:rPr dirty="0" err="1"/>
-              <a:t>multidimensionales</a:t>
-            </a:r>
-            <a:r>
-              <a:rPr dirty="0"/>
-              <a:t> a partir de </a:t>
-            </a:r>
-            <a:r>
-              <a:rPr dirty="0" err="1"/>
-              <a:t>vectores</a:t>
-            </a:r>
-            <a:r>
-              <a:rPr dirty="0"/>
-              <a:t> 1D. Por </a:t>
-            </a:r>
-            <a:r>
-              <a:rPr dirty="0" err="1"/>
-              <a:t>último</a:t>
-            </a:r>
-            <a:r>
-              <a:rPr dirty="0"/>
-              <a:t>, </a:t>
-            </a:r>
-            <a:r>
-              <a:rPr dirty="0" err="1"/>
-              <a:t>linspace</a:t>
-            </a:r>
-            <a:r>
-              <a:rPr dirty="0"/>
-              <a:t> es </a:t>
-            </a:r>
-            <a:r>
-              <a:rPr dirty="0" err="1"/>
-              <a:t>una</a:t>
-            </a:r>
-            <a:r>
-              <a:rPr dirty="0"/>
-              <a:t> </a:t>
-            </a:r>
-            <a:r>
-              <a:rPr dirty="0" err="1"/>
-              <a:t>función</a:t>
-            </a:r>
-            <a:r>
-              <a:rPr dirty="0"/>
-              <a:t> que te </a:t>
-            </a:r>
-            <a:r>
-              <a:rPr dirty="0" err="1"/>
-              <a:t>permite</a:t>
-            </a:r>
-            <a:r>
-              <a:rPr dirty="0"/>
-              <a:t> </a:t>
-            </a:r>
-            <a:r>
-              <a:rPr dirty="0" err="1"/>
-              <a:t>generar</a:t>
-            </a:r>
-            <a:r>
-              <a:rPr dirty="0"/>
-              <a:t> </a:t>
-            </a:r>
-            <a:r>
-              <a:rPr dirty="0" err="1"/>
-              <a:t>una</a:t>
-            </a:r>
-            <a:r>
-              <a:rPr dirty="0"/>
-              <a:t> </a:t>
-            </a:r>
-            <a:r>
-              <a:rPr dirty="0" err="1"/>
-              <a:t>secuencia</a:t>
-            </a:r>
-            <a:r>
-              <a:rPr dirty="0"/>
-              <a:t> </a:t>
-            </a:r>
-            <a:r>
-              <a:rPr dirty="0" err="1"/>
-              <a:t>regularmente</a:t>
-            </a:r>
-            <a:r>
-              <a:rPr dirty="0"/>
-              <a:t> </a:t>
-            </a:r>
-            <a:r>
-              <a:rPr dirty="0" err="1"/>
-              <a:t>espaciada</a:t>
-            </a:r>
-            <a:r>
-              <a:rPr dirty="0"/>
-              <a:t> entre dos </a:t>
-            </a:r>
-            <a:r>
-              <a:rPr dirty="0" err="1"/>
-              <a:t>números</a:t>
-            </a:r>
-            <a:r>
-              <a:rPr dirty="0"/>
-              <a:t> </a:t>
-            </a:r>
-            <a:r>
-              <a:rPr dirty="0" err="1"/>
-              <a:t>especificados</a:t>
-            </a:r>
-            <a:r>
-              <a:rPr dirty="0"/>
-              <a:t>. </a:t>
-            </a:r>
-            <a:r>
-              <a:rPr dirty="0" err="1"/>
-              <a:t>Esto</a:t>
-            </a:r>
-            <a:r>
-              <a:rPr dirty="0"/>
-              <a:t> </a:t>
-            </a:r>
-            <a:r>
-              <a:rPr dirty="0" err="1"/>
-              <a:t>puede</a:t>
-            </a:r>
-            <a:r>
-              <a:rPr dirty="0"/>
-              <a:t> ser </a:t>
-            </a:r>
-            <a:r>
-              <a:rPr dirty="0" err="1"/>
-              <a:t>útil</a:t>
-            </a:r>
-            <a:r>
-              <a:rPr dirty="0"/>
-              <a:t> para </a:t>
-            </a:r>
-            <a:r>
-              <a:rPr dirty="0" err="1"/>
-              <a:t>construir</a:t>
-            </a:r>
-            <a:r>
-              <a:rPr dirty="0"/>
-              <a:t> </a:t>
-            </a:r>
-            <a:r>
-              <a:rPr dirty="0" err="1"/>
-              <a:t>gráficos</a:t>
-            </a:r>
-            <a:r>
-              <a:rPr dirty="0"/>
-              <a:t> y hacer </a:t>
-            </a:r>
-            <a:r>
-              <a:rPr dirty="0" err="1"/>
-              <a:t>cálculos</a:t>
-            </a:r>
-            <a:r>
-              <a:rPr dirty="0"/>
-              <a:t> </a:t>
-            </a:r>
-            <a:r>
-              <a:rPr dirty="0" err="1"/>
-              <a:t>numéricos</a:t>
-            </a:r>
-            <a:r>
-              <a:rPr dirty="0"/>
-              <a:t> </a:t>
-            </a:r>
-            <a:r>
-              <a:rPr dirty="0" err="1"/>
-              <a:t>precisos</a:t>
-            </a:r>
-            <a:r>
-              <a:rPr dirty="0"/>
-              <a:t>.</a:t>
+          <a:bodyPr/>
+          <a:lstStyle/>
+          <a:p>
+            <a:r>
+              <a:t> ¿Qué son arreglos de Numpy? </a:t>
+            </a:r>
+          </a:p>
+          <a:p>
+            <a:r>
+              <a:t> ¿Para qué sirven los arreglos de Numpy?</a:t>
+            </a:r>
+          </a:p>
+          <a:p/>
+          <a:p/>
+        </p:txBody>
+      </p:sp>
+    </p:spTree>
+  </p:cSld>
+  <p:clrMapOvr>
+    <a:masterClrMapping/>
+  </p:clrMapOvr>
+</p:sld>
+</file>
+
+<file path=ppt/slides/slide3.xml><?xml version="1.0" encoding="utf-8"?>
+<p:sld xmlns:a="http://schemas.openxmlformats.org/drawingml/2006/main" xmlns:p="http://schemas.openxmlformats.org/presentationml/2006/main" xmlns:r="http://schemas.openxmlformats.org/officeDocument/2006/relationships">
+  <p:cSld>
+    <p:spTree>
+      <p:nvGrpSpPr>
+        <p:cNvPr id="1" name=""/>
+        <p:cNvGrpSpPr/>
+        <p:nvPr/>
+      </p:nvGrpSpPr>
+      <p:grpSpPr/>
+      <p:sp>
+        <p:nvSpPr>
+          <p:cNvPr id="2" name="Title 1"/>
+          <p:cNvSpPr>
+            <a:spLocks noGrp="1"/>
+          </p:cNvSpPr>
+          <p:nvPr>
+            <p:ph type="title"/>
+          </p:nvPr>
+        </p:nvSpPr>
+        <p:spPr/>
+        <p:txBody>
+          <a:bodyPr/>
+          <a:lstStyle/>
+          <a:p>
+            <a:r>
+              <a:t> Uso de Arreglos de Numpy </a:t>
+            </a:r>
+          </a:p>
+        </p:txBody>
+      </p:sp>
+      <p:sp>
+        <p:nvSpPr>
+          <p:cNvPr id="3" name="Content Placeholder 2"/>
+          <p:cNvSpPr>
+            <a:spLocks noGrp="1"/>
+          </p:cNvSpPr>
+          <p:nvPr>
+            <p:ph idx="1"/>
+          </p:nvPr>
+        </p:nvSpPr>
+        <p:spPr/>
+        <p:txBody>
+          <a:bodyPr/>
+          <a:lstStyle/>
+          <a:p>
+            <a:r>
+              <a:t> Creación de arreglos </a:t>
+            </a:r>
+          </a:p>
+          <a:p>
+            <a:r>
+              <a:t> Operaciones con Arreglos</a:t>
+            </a:r>
+          </a:p>
+          <a:p/>
+          <a:p/>
+        </p:txBody>
+      </p:sp>
+    </p:spTree>
+  </p:cSld>
+  <p:clrMapOvr>
+    <a:masterClrMapping/>
+  </p:clrMapOvr>
+</p:sld>
+</file>
+
+<file path=ppt/slides/slide4.xml><?xml version="1.0" encoding="utf-8"?>
+<p:sld xmlns:a="http://schemas.openxmlformats.org/drawingml/2006/main" xmlns:p="http://schemas.openxmlformats.org/presentationml/2006/main" xmlns:r="http://schemas.openxmlformats.org/officeDocument/2006/relationships">
+  <p:cSld>
+    <p:spTree>
+      <p:nvGrpSpPr>
+        <p:cNvPr id="1" name=""/>
+        <p:cNvGrpSpPr/>
+        <p:nvPr/>
+      </p:nvGrpSpPr>
+      <p:grpSpPr/>
+      <p:sp>
+        <p:nvSpPr>
+          <p:cNvPr id="2" name="Title 1"/>
+          <p:cNvSpPr>
+            <a:spLocks noGrp="1"/>
+          </p:cNvSpPr>
+          <p:nvPr>
+            <p:ph type="title"/>
+          </p:nvPr>
+        </p:nvSpPr>
+        <p:spPr/>
+        <p:txBody>
+          <a:bodyPr/>
+          <a:lstStyle/>
+          <a:p>
+            <a:r>
+              <a:t> Funciones de Arreglos de Numpy </a:t>
+            </a:r>
+          </a:p>
+        </p:txBody>
+      </p:sp>
+      <p:sp>
+        <p:nvSpPr>
+          <p:cNvPr id="3" name="Content Placeholder 2"/>
+          <p:cNvSpPr>
+            <a:spLocks noGrp="1"/>
+          </p:cNvSpPr>
+          <p:nvPr>
+            <p:ph idx="1"/>
+          </p:nvPr>
+        </p:nvSpPr>
+        <p:spPr/>
+        <p:txBody>
+          <a:bodyPr/>
+          <a:lstStyle/>
+          <a:p>
+            <a:r>
+              <a:t> Funciones de Manipulación de Arreglos </a:t>
+            </a:r>
+          </a:p>
+          <a:p>
+            <a:r>
+              <a:t> Funciones de Operaciones Matemáticas</a:t>
+            </a:r>
+          </a:p>
+          <a:p/>
+          <a:p/>
+        </p:txBody>
+      </p:sp>
+    </p:spTree>
+  </p:cSld>
+  <p:clrMapOvr>
+    <a:masterClrMapping/>
+  </p:clrMapOvr>
+</p:sld>
+</file>
+
+<file path=ppt/slides/slide5.xml><?xml version="1.0" encoding="utf-8"?>
+<p:sld xmlns:a="http://schemas.openxmlformats.org/drawingml/2006/main" xmlns:p="http://schemas.openxmlformats.org/presentationml/2006/main" xmlns:r="http://schemas.openxmlformats.org/officeDocument/2006/relationships">
+  <p:cSld>
+    <p:spTree>
+      <p:nvGrpSpPr>
+        <p:cNvPr id="1" name=""/>
+        <p:cNvGrpSpPr/>
+        <p:nvPr/>
+      </p:nvGrpSpPr>
+      <p:grpSpPr/>
+      <p:sp>
+        <p:nvSpPr>
+          <p:cNvPr id="2" name="Title 1"/>
+          <p:cNvSpPr>
+            <a:spLocks noGrp="1"/>
+          </p:cNvSpPr>
+          <p:nvPr>
+            <p:ph type="title"/>
+          </p:nvPr>
+        </p:nvSpPr>
+        <p:spPr/>
+        <p:txBody>
+          <a:bodyPr/>
+          <a:lstStyle/>
+          <a:p>
+            <a:r>
+              <a:t> Aplicaciones de Arreglos de Numpy </a:t>
+            </a:r>
+          </a:p>
+        </p:txBody>
+      </p:sp>
+      <p:sp>
+        <p:nvSpPr>
+          <p:cNvPr id="3" name="Content Placeholder 2"/>
+          <p:cNvSpPr>
+            <a:spLocks noGrp="1"/>
+          </p:cNvSpPr>
+          <p:nvPr>
+            <p:ph idx="1"/>
+          </p:nvPr>
+        </p:nvSpPr>
+        <p:spPr/>
+        <p:txBody>
+          <a:bodyPr/>
+          <a:lstStyle/>
+          <a:p>
+            <a:r>
+              <a:t> Representación de Matrices </a:t>
+            </a:r>
+          </a:p>
+          <a:p>
+            <a:r>
+              <a:t> Operaciones con Matrices </a:t>
+            </a:r>
+          </a:p>
+          <a:p>
+            <a:r>
+              <a:t> Aplicaciones en Machine Learning</a:t>
+            </a:r>
+          </a:p>
+        </p:txBody>
+      </p:sp>
+    </p:spTree>
+  </p:cSld>
+  <p:clrMapOvr>
+    <a:masterClrMapping/>
+  </p:clrMapOvr>
+</p:sld>
+</file>
+
+<file path=ppt/slides/slide6.xml><?xml version="1.0" encoding="utf-8"?>
+<p:sld xmlns:a="http://schemas.openxmlformats.org/drawingml/2006/main" xmlns:p="http://schemas.openxmlformats.org/presentationml/2006/main" xmlns:r="http://schemas.openxmlformats.org/officeDocument/2006/relationships">
+  <p:cSld>
+    <p:spTree>
+      <p:nvGrpSpPr>
+        <p:cNvPr id="1" name=""/>
+        <p:cNvGrpSpPr/>
+        <p:nvPr/>
+      </p:nvGrpSpPr>
+      <p:grpSpPr/>
+      <p:sp>
+        <p:nvSpPr>
+          <p:cNvPr id="2" name="Title 1"/>
+          <p:cNvSpPr>
+            <a:spLocks noGrp="1"/>
+          </p:cNvSpPr>
+          <p:nvPr>
+            <p:ph type="title"/>
+          </p:nvPr>
+        </p:nvSpPr>
+        <p:spPr/>
+        <p:txBody>
+          <a:bodyPr/>
+          <a:lstStyle/>
+          <a:p>
+            <a:r>
+              <a:t>Ejemplo de Código con arreglos de numpy</a:t>
+            </a:r>
+          </a:p>
+        </p:txBody>
+      </p:sp>
+      <p:sp>
+        <p:nvSpPr>
+          <p:cNvPr id="3" name="Content Placeholder 2"/>
+          <p:cNvSpPr>
+            <a:spLocks noGrp="1"/>
+          </p:cNvSpPr>
+          <p:nvPr>
+            <p:ph idx="1"/>
+          </p:nvPr>
+        </p:nvSpPr>
+        <p:spPr/>
+        <p:txBody>
+          <a:bodyPr/>
+          <a:lstStyle/>
+          <a:p/>
+          <a:p/>
+          <a:p>
+            <a:r>
+              <a:t>import numpy as np</a:t>
+            </a:r>
+          </a:p>
+          <a:p/>
+          <a:p>
+            <a:r>
+              <a:t># Suma de dos arreglos</a:t>
+            </a:r>
+          </a:p>
+          <a:p>
+            <a:r>
+              <a:t>arr1 = np.array([7, 8, 9]) </a:t>
+            </a:r>
+          </a:p>
+          <a:p>
+            <a:r>
+              <a:t>arr2 = np.array([10, 11, 12]) </a:t>
+            </a:r>
+          </a:p>
+          <a:p>
+            <a:r>
+              <a:t>  </a:t>
+            </a:r>
+          </a:p>
+          <a:p>
+            <a:r>
+              <a:t># Sumar los dos arreglos </a:t>
+            </a:r>
+          </a:p>
+          <a:p>
+            <a:r>
+              <a:t>suma_arr = arr1 + arr2 </a:t>
+            </a:r>
+          </a:p>
+          <a:p>
+            <a:r>
+              <a:t>  </a:t>
+            </a:r>
+          </a:p>
+          <a:p>
+            <a:r>
+              <a:t># Mostrar el resultado </a:t>
+            </a:r>
+          </a:p>
+          <a:p>
+            <a:r>
+              <a:t>print(suma_arr)</a:t>
             </a:r>
           </a:p>
         </p:txBody>
